--- a/classes/fall2024/132/lectures/slides/04-JavaIntro3.pptx
+++ b/classes/fall2024/132/lectures/slides/04-JavaIntro3.pptx
@@ -58,7 +58,7 @@
           <inkml:channelProperty channel="Y" name="resolution" value="1000" units="1/cm"/>
         </inkml:channelProperties>
       </inkml:inkSource>
-      <inkml:timestamp xml:id="ts0" timeString="2023-08-30T23:04:32.565"/>
+      <inkml:timestamp xml:id="ts0" timeString="2024-08-28T19:56:06.326"/>
     </inkml:context>
     <inkml:brush xml:id="br0">
       <inkml:brushProperty name="width" value="0.3" units="cm"/>
@@ -69,7 +69,7 @@
       <inkml:brushProperty name="ignorePressure" value="1"/>
     </inkml:brush>
   </inkml:definitions>
-  <inkml:trace contextRef="#ctx0" brushRef="#br0">1 70,'0'-1,"0"0,1 0,-1 0,0 1,1-1,-1 0,1 0,-1 0,1 0,0 1,-1-1,1 0,0 1,-1-1,1 0,0 1,0-1,0 1,0-1,-1 1,1-1,0 1,2-1,24-7,-22 7,55-13,1 4,98-6,128 13,-183 4,129-2,278 4,-452 2,62 12,-63-7,68 3,-116-13,0 1,-1 0,1 0,13 5,-9-2</inkml:trace>
+  <inkml:trace contextRef="#ctx0" brushRef="#br0">0 1,'14'5,"1"0,-1 0,1-2,-1 0,1 0,23 0,2 1,90 7,175-8,-162-4,181 12,497-11,-807 0</inkml:trace>
 </inkml:ink>
 </file>
 
@@ -367,7 +367,7 @@
           <inkml:channelProperty channel="Y" name="resolution" value="1000" units="1/cm"/>
         </inkml:channelProperties>
       </inkml:inkSource>
-      <inkml:timestamp xml:id="ts0" timeString="2023-08-30T23:04:33.677"/>
+      <inkml:timestamp xml:id="ts0" timeString="2024-08-28T19:56:14.518"/>
     </inkml:context>
     <inkml:brush xml:id="br0">
       <inkml:brushProperty name="width" value="0.3" units="cm"/>
@@ -378,7 +378,7 @@
       <inkml:brushProperty name="ignorePressure" value="1"/>
     </inkml:brush>
   </inkml:definitions>
-  <inkml:trace contextRef="#ctx0" brushRef="#br0">1536 50,'-1'-1,"1"0,-1 0,0 0,1 0,-1 0,0 0,0 0,1 1,-1-1,0 0,0 0,0 1,0-1,0 1,0-1,0 1,0-1,0 1,0 0,0 0,0-1,-2 1,-35-8,27 6,-61-9,-1 2,0 4,-127 7,69 1,0-5,-126 5,142 7,-52 2,120-11,0 2,-49 10,58-9,20-3</inkml:trace>
+  <inkml:trace contextRef="#ctx0" brushRef="#br0">0 1,'1861'0,"-1820"2,44 7,-2 1,-69-9</inkml:trace>
 </inkml:ink>
 </file>
 
@@ -452,7 +452,7 @@
           <inkml:channelProperty channel="Y" name="resolution" value="1000" units="1/cm"/>
         </inkml:channelProperties>
       </inkml:inkSource>
-      <inkml:timestamp xml:id="ts0" timeString="2023-08-30T23:04:37.574"/>
+      <inkml:timestamp xml:id="ts0" timeString="2024-08-28T19:56:17.178"/>
     </inkml:context>
     <inkml:brush xml:id="br0">
       <inkml:brushProperty name="width" value="0.3" units="cm"/>
@@ -463,7 +463,7 @@
       <inkml:brushProperty name="ignorePressure" value="1"/>
     </inkml:brush>
   </inkml:definitions>
-  <inkml:trace contextRef="#ctx0" brushRef="#br0">0 2,'45'0,"31"-1,0 3,0 3,90 18,-102-12,82 4,-59-8,295 0,-219-9,73-9,9 0,-68 11,-158 0</inkml:trace>
+  <inkml:trace contextRef="#ctx0" brushRef="#br0">1 33,'106'4,"1"4,109 24,-116-14,0-5,138 1,429-16,-624 0,-1-2,50-11,23-3,-53 9,0-3,74-24,-107 30,0 1,1 1,-1 2,43 1,11 0,230-4,-269 5,-13 0</inkml:trace>
 </inkml:ink>
 </file>
 
@@ -481,7 +481,7 @@
           <inkml:channelProperty channel="Y" name="resolution" value="1000" units="1/cm"/>
         </inkml:channelProperties>
       </inkml:inkSource>
-      <inkml:timestamp xml:id="ts0" timeString="2023-08-30T23:04:38.960"/>
+      <inkml:timestamp xml:id="ts0" timeString="2024-08-28T19:56:19.367"/>
     </inkml:context>
     <inkml:brush xml:id="br0">
       <inkml:brushProperty name="width" value="0.3" units="cm"/>
@@ -492,7 +492,7 @@
       <inkml:brushProperty name="ignorePressure" value="1"/>
     </inkml:brush>
   </inkml:definitions>
-  <inkml:trace contextRef="#ctx0" brushRef="#br0">1 25,'249'2,"264"-5,-401-8,33 0,10 10,171 4,-201 7,57 1,-50-11,-113 0</inkml:trace>
+  <inkml:trace contextRef="#ctx0" brushRef="#br0">0 0,'141'10,"-37"-2,259 19,-20-15,-57-6,-76 14,115 7,-136-33,-34-1,203-3,25 10,-374 0</inkml:trace>
 </inkml:ink>
 </file>
 
@@ -718,7 +718,7 @@
           <a:p>
             <a:fld id="{A276F144-9A5A-4C19-9841-AA86F457125C}" type="datetimeFigureOut">
               <a:rPr lang="en-US" smtClean="0"/>
-              <a:t>8/30/2023</a:t>
+              <a:t>8/28/2024</a:t>
             </a:fld>
             <a:endParaRPr lang="en-US"/>
           </a:p>
@@ -1130,7 +1130,7 @@
           <a:p>
             <a:fld id="{4A264684-B5DE-4471-999D-A89FE7167EDE}" type="datetime1">
               <a:rPr lang="en-US" smtClean="0"/>
-              <a:t>8/30/2023</a:t>
+              <a:t>8/28/2024</a:t>
             </a:fld>
             <a:endParaRPr lang="en-US" dirty="0"/>
           </a:p>
@@ -1307,7 +1307,7 @@
           <a:p>
             <a:fld id="{AB496B8D-F1C7-4698-A670-934D1C094377}" type="datetime1">
               <a:rPr lang="en-US" smtClean="0"/>
-              <a:t>8/30/2023</a:t>
+              <a:t>8/28/2024</a:t>
             </a:fld>
             <a:endParaRPr lang="en-US"/>
           </a:p>
@@ -1521,7 +1521,7 @@
           <a:p>
             <a:fld id="{B9B741FD-8C9F-4A96-83C6-F6C37F5110EC}" type="datetime1">
               <a:rPr lang="en-US" smtClean="0"/>
-              <a:t>8/30/2023</a:t>
+              <a:t>8/28/2024</a:t>
             </a:fld>
             <a:endParaRPr lang="en-US"/>
           </a:p>
@@ -1669,7 +1669,7 @@
           <a:p>
             <a:fld id="{8EAA4857-787A-4808-B2E4-B31FE3774D3A}" type="datetime1">
               <a:rPr lang="en-US" smtClean="0"/>
-              <a:t>8/30/2023</a:t>
+              <a:t>8/28/2024</a:t>
             </a:fld>
             <a:endParaRPr lang="en-US"/>
           </a:p>
@@ -1788,7 +1788,7 @@
           <a:p>
             <a:fld id="{78B8F724-08DC-4554-8E21-4E36C1B4DF66}" type="datetime1">
               <a:rPr lang="en-US" smtClean="0"/>
-              <a:t>8/30/2023</a:t>
+              <a:t>8/28/2024</a:t>
             </a:fld>
             <a:endParaRPr lang="en-US"/>
           </a:p>
@@ -2211,7 +2211,7 @@
           <a:p>
             <a:fld id="{E8B4CACC-E5C9-450A-9E1E-54F34D7E32FD}" type="datetime1">
               <a:rPr lang="en-US" smtClean="0"/>
-              <a:t>8/30/2023</a:t>
+              <a:t>8/28/2024</a:t>
             </a:fld>
             <a:endParaRPr lang="en-US"/>
           </a:p>
@@ -2799,7 +2799,7 @@
         </p:nvSpPr>
         <p:spPr>
           <a:xfrm>
-            <a:off x="3657600" y="2895600"/>
+            <a:off x="4267200" y="2895600"/>
             <a:ext cx="8153400" cy="382156"/>
           </a:xfrm>
           <a:prstGeom prst="rect">
@@ -2821,41 +2821,6 @@
               </a:spcBef>
             </a:pPr>
             <a:r>
-              <a:rPr sz="2400" dirty="0">
-                <a:latin typeface="Calibri"/>
-                <a:cs typeface="Calibri"/>
-              </a:rPr>
-              <a:t>Lecture</a:t>
-            </a:r>
-            <a:r>
-              <a:rPr sz="2400" spc="-25" dirty="0">
-                <a:latin typeface="Calibri"/>
-                <a:cs typeface="Calibri"/>
-              </a:rPr>
-              <a:t> </a:t>
-            </a:r>
-            <a:r>
-              <a:rPr lang="en-US" sz="2400" spc="-25" dirty="0">
-                <a:latin typeface="Calibri"/>
-                <a:cs typeface="Calibri"/>
-              </a:rPr>
-              <a:t>4</a:t>
-            </a:r>
-            <a:r>
-              <a:rPr sz="2400" dirty="0">
-                <a:latin typeface="Calibri"/>
-                <a:cs typeface="Calibri"/>
-              </a:rPr>
-              <a:t>:</a:t>
-            </a:r>
-            <a:r>
-              <a:rPr sz="2400" spc="-55" dirty="0">
-                <a:latin typeface="Calibri"/>
-                <a:cs typeface="Calibri"/>
-              </a:rPr>
-              <a:t> </a:t>
-            </a:r>
-            <a:r>
               <a:rPr lang="en-US" sz="2400" dirty="0">
                 <a:latin typeface="Calibri"/>
                 <a:cs typeface="Calibri"/>
@@ -2919,6 +2884,20 @@
               </a:rPr>
               <a:t>Pearsall </a:t>
             </a:r>
+            <a:r>
+              <a:rPr lang="en-US" sz="2800" spc="-20" dirty="0">
+                <a:latin typeface="Calibri"/>
+                <a:cs typeface="Calibri"/>
+              </a:rPr>
+              <a:t>&amp; Iliana </a:t>
+            </a:r>
+            <a:r>
+              <a:rPr lang="en-US" sz="2800" spc="-20" dirty="0" err="1">
+                <a:latin typeface="Calibri"/>
+                <a:cs typeface="Calibri"/>
+              </a:rPr>
+              <a:t>Castillon</a:t>
+            </a:r>
             <a:endParaRPr lang="en-US" sz="2800" spc="-20" dirty="0">
               <a:latin typeface="Calibri"/>
               <a:cs typeface="Calibri"/>
@@ -2938,7 +2917,7 @@
                 <a:latin typeface="Calibri"/>
                 <a:cs typeface="Calibri"/>
               </a:rPr>
-              <a:t>Fall 2023</a:t>
+              <a:t>Fall 2024</a:t>
             </a:r>
           </a:p>
         </p:txBody>
@@ -2994,7 +2973,7 @@
                   </a:extLst>
                 </a:hlinkClick>
               </a:rPr>
-              <a:t>https://www.cs.montana.edu/pearsall/classes/fall2023/132/main.html</a:t>
+              <a:t>https://www.cs.montana.edu/pearsall/classes/fall2024/132/main.html</a:t>
             </a:r>
             <a:endParaRPr lang="en-US" sz="1600" dirty="0">
               <a:solidFill>
@@ -3437,51 +3416,12 @@
           </a:p>
         </p:txBody>
       </p:sp>
-      <p:sp>
-        <p:nvSpPr>
-          <p:cNvPr id="6" name="TextBox 5">
+      <p:pic>
+        <p:nvPicPr>
+          <p:cNvPr id="9" name="Picture 8">
             <a:extLst>
               <a:ext uri="{FF2B5EF4-FFF2-40B4-BE49-F238E27FC236}">
-                <a16:creationId xmlns:a16="http://schemas.microsoft.com/office/drawing/2014/main" id="{00C29382-B428-B361-3EB5-0EC3F8BC961D}"/>
-              </a:ext>
-            </a:extLst>
-          </p:cNvPr>
-          <p:cNvSpPr txBox="1"/>
-          <p:nvPr/>
-        </p:nvSpPr>
-        <p:spPr>
-          <a:xfrm>
-            <a:off x="304800" y="5715000"/>
-            <a:ext cx="6704079" cy="461665"/>
-          </a:xfrm>
-          <a:prstGeom prst="rect">
-            <a:avLst/>
-          </a:prstGeom>
-          <a:noFill/>
-        </p:spPr>
-        <p:txBody>
-          <a:bodyPr wrap="none" rtlCol="0">
-            <a:spAutoFit/>
-          </a:bodyPr>
-          <a:lstStyle/>
-          <a:p>
-            <a:pPr marL="285750" indent="-285750">
-              <a:buFont typeface="Arial" panose="020B0604020202020204" pitchFamily="34" charset="0"/>
-              <a:buChar char="•"/>
-            </a:pPr>
-            <a:r>
-              <a:rPr lang="en-US" sz="2400" dirty="0"/>
-              <a:t>Lab 2 and Program 1 will be posted soon ™</a:t>
-            </a:r>
-          </a:p>
-        </p:txBody>
-      </p:sp>
-      <p:pic>
-        <p:nvPicPr>
-          <p:cNvPr id="10" name="Picture 9">
-            <a:extLst>
-              <a:ext uri="{FF2B5EF4-FFF2-40B4-BE49-F238E27FC236}">
-                <a16:creationId xmlns:a16="http://schemas.microsoft.com/office/drawing/2014/main" id="{7C97565C-DDE6-59DE-4A9F-1322A8FF51CC}"/>
+                <a16:creationId xmlns:a16="http://schemas.microsoft.com/office/drawing/2014/main" id="{53C94BE1-5593-F6D3-57E7-4F02890FDD61}"/>
               </a:ext>
             </a:extLst>
           </p:cNvPr>
@@ -3498,8 +3438,8 @@
         </p:blipFill>
         <p:spPr>
           <a:xfrm>
-            <a:off x="5616061" y="258396"/>
-            <a:ext cx="5176471" cy="5432485"/>
+            <a:off x="5791200" y="381000"/>
+            <a:ext cx="5989394" cy="5410200"/>
           </a:xfrm>
           <a:prstGeom prst="rect">
             <a:avLst/>
@@ -3510,10 +3450,10 @@
         <mc:Choice xmlns:p14="http://schemas.microsoft.com/office/powerpoint/2010/main" Requires="p14">
           <p:contentPart p14:bwMode="auto" r:id="rId4">
             <p14:nvContentPartPr>
-              <p14:cNvPr id="11" name="Ink 10">
+              <p14:cNvPr id="16" name="Ink 15">
                 <a:extLst>
                   <a:ext uri="{FF2B5EF4-FFF2-40B4-BE49-F238E27FC236}">
-                    <a16:creationId xmlns:a16="http://schemas.microsoft.com/office/drawing/2014/main" id="{DAF120C1-FC72-F634-5034-D8B63B26B574}"/>
+                    <a16:creationId xmlns:a16="http://schemas.microsoft.com/office/drawing/2014/main" id="{7A99D1DF-079C-0A30-7623-1C8205AE2A62}"/>
                   </a:ext>
                 </a:extLst>
               </p14:cNvPr>
@@ -3521,18 +3461,18 @@
               <p14:nvPr/>
             </p14:nvContentPartPr>
             <p14:xfrm>
-              <a:off x="9937693" y="1763305"/>
-              <a:ext cx="685800" cy="25200"/>
+              <a:off x="7518986" y="2652435"/>
+              <a:ext cx="684720" cy="20160"/>
             </p14:xfrm>
           </p:contentPart>
         </mc:Choice>
         <mc:Fallback>
           <p:pic>
             <p:nvPicPr>
-              <p:cNvPr id="11" name="Ink 10">
+              <p:cNvPr id="16" name="Ink 15">
                 <a:extLst>
                   <a:ext uri="{FF2B5EF4-FFF2-40B4-BE49-F238E27FC236}">
-                    <a16:creationId xmlns:a16="http://schemas.microsoft.com/office/drawing/2014/main" id="{DAF120C1-FC72-F634-5034-D8B63B26B574}"/>
+                    <a16:creationId xmlns:a16="http://schemas.microsoft.com/office/drawing/2014/main" id="{7A99D1DF-079C-0A30-7623-1C8205AE2A62}"/>
                   </a:ext>
                 </a:extLst>
               </p:cNvPr>
@@ -3547,8 +3487,8 @@
             </p:blipFill>
             <p:spPr>
               <a:xfrm>
-                <a:off x="9884053" y="1655665"/>
-                <a:ext cx="793440" cy="240840"/>
+                <a:off x="7464986" y="2544795"/>
+                <a:ext cx="792360" cy="235800"/>
               </a:xfrm>
               <a:prstGeom prst="rect">
                 <a:avLst/>
@@ -3561,10 +3501,10 @@
         <mc:Choice xmlns:p14="http://schemas.microsoft.com/office/powerpoint/2010/main" Requires="p14">
           <p:contentPart p14:bwMode="auto" r:id="rId6">
             <p14:nvContentPartPr>
-              <p14:cNvPr id="12" name="Ink 11">
+              <p14:cNvPr id="17" name="Ink 16">
                 <a:extLst>
                   <a:ext uri="{FF2B5EF4-FFF2-40B4-BE49-F238E27FC236}">
-                    <a16:creationId xmlns:a16="http://schemas.microsoft.com/office/drawing/2014/main" id="{427A4771-CFDC-9C67-BF54-060163071D81}"/>
+                    <a16:creationId xmlns:a16="http://schemas.microsoft.com/office/drawing/2014/main" id="{9F93F6CF-C1A2-9004-8552-BF5114878FCE}"/>
                   </a:ext>
                 </a:extLst>
               </p14:cNvPr>
@@ -3572,18 +3512,18 @@
               <p14:nvPr/>
             </p14:nvContentPartPr>
             <p14:xfrm>
-              <a:off x="9970453" y="2203945"/>
-              <a:ext cx="552960" cy="18360"/>
+              <a:off x="7487666" y="3178395"/>
+              <a:ext cx="750600" cy="8280"/>
             </p14:xfrm>
           </p:contentPart>
         </mc:Choice>
         <mc:Fallback>
           <p:pic>
             <p:nvPicPr>
-              <p:cNvPr id="12" name="Ink 11">
+              <p:cNvPr id="17" name="Ink 16">
                 <a:extLst>
                   <a:ext uri="{FF2B5EF4-FFF2-40B4-BE49-F238E27FC236}">
-                    <a16:creationId xmlns:a16="http://schemas.microsoft.com/office/drawing/2014/main" id="{427A4771-CFDC-9C67-BF54-060163071D81}"/>
+                    <a16:creationId xmlns:a16="http://schemas.microsoft.com/office/drawing/2014/main" id="{9F93F6CF-C1A2-9004-8552-BF5114878FCE}"/>
                   </a:ext>
                 </a:extLst>
               </p:cNvPr>
@@ -3598,8 +3538,8 @@
             </p:blipFill>
             <p:spPr>
               <a:xfrm>
-                <a:off x="9916453" y="2095945"/>
-                <a:ext cx="660600" cy="234000"/>
+                <a:off x="7433666" y="3070755"/>
+                <a:ext cx="858240" cy="223920"/>
               </a:xfrm>
               <a:prstGeom prst="rect">
                 <a:avLst/>
@@ -3612,10 +3552,10 @@
         <mc:Choice xmlns:p14="http://schemas.microsoft.com/office/powerpoint/2010/main" Requires="p14">
           <p:contentPart p14:bwMode="auto" r:id="rId8">
             <p14:nvContentPartPr>
-              <p14:cNvPr id="13" name="Ink 12">
+              <p14:cNvPr id="18" name="Ink 17">
                 <a:extLst>
                   <a:ext uri="{FF2B5EF4-FFF2-40B4-BE49-F238E27FC236}">
-                    <a16:creationId xmlns:a16="http://schemas.microsoft.com/office/drawing/2014/main" id="{8002AEAE-61CE-658A-D935-0D10A738C836}"/>
+                    <a16:creationId xmlns:a16="http://schemas.microsoft.com/office/drawing/2014/main" id="{E9F9E010-843E-D240-CBC3-B628BA7B5D60}"/>
                   </a:ext>
                 </a:extLst>
               </p14:cNvPr>
@@ -3623,18 +3563,18 @@
               <p14:nvPr/>
             </p14:nvContentPartPr>
             <p14:xfrm>
-              <a:off x="8237413" y="2646025"/>
-              <a:ext cx="705240" cy="25920"/>
+              <a:off x="9645866" y="3665115"/>
+              <a:ext cx="988920" cy="44280"/>
             </p14:xfrm>
           </p:contentPart>
         </mc:Choice>
         <mc:Fallback>
           <p:pic>
             <p:nvPicPr>
-              <p:cNvPr id="13" name="Ink 12">
+              <p:cNvPr id="18" name="Ink 17">
                 <a:extLst>
                   <a:ext uri="{FF2B5EF4-FFF2-40B4-BE49-F238E27FC236}">
-                    <a16:creationId xmlns:a16="http://schemas.microsoft.com/office/drawing/2014/main" id="{8002AEAE-61CE-658A-D935-0D10A738C836}"/>
+                    <a16:creationId xmlns:a16="http://schemas.microsoft.com/office/drawing/2014/main" id="{E9F9E010-843E-D240-CBC3-B628BA7B5D60}"/>
                   </a:ext>
                 </a:extLst>
               </p:cNvPr>
@@ -3649,8 +3589,8 @@
             </p:blipFill>
             <p:spPr>
               <a:xfrm>
-                <a:off x="8183413" y="2538385"/>
-                <a:ext cx="812880" cy="241560"/>
+                <a:off x="9592226" y="3557115"/>
+                <a:ext cx="1096560" cy="259920"/>
               </a:xfrm>
               <a:prstGeom prst="rect">
                 <a:avLst/>
@@ -3663,10 +3603,10 @@
         <mc:Choice xmlns:p14="http://schemas.microsoft.com/office/powerpoint/2010/main" Requires="p14">
           <p:contentPart p14:bwMode="auto" r:id="rId10">
             <p14:nvContentPartPr>
-              <p14:cNvPr id="14" name="Ink 13">
+              <p14:cNvPr id="19" name="Ink 18">
                 <a:extLst>
                   <a:ext uri="{FF2B5EF4-FFF2-40B4-BE49-F238E27FC236}">
-                    <a16:creationId xmlns:a16="http://schemas.microsoft.com/office/drawing/2014/main" id="{2BC539FD-F19B-354A-D684-D261242BD52B}"/>
+                    <a16:creationId xmlns:a16="http://schemas.microsoft.com/office/drawing/2014/main" id="{0FDD0F68-F13D-DAE2-F699-903C48FA62EC}"/>
                   </a:ext>
                 </a:extLst>
               </p14:cNvPr>
@@ -3674,18 +3614,18 @@
               <p14:nvPr/>
             </p14:nvContentPartPr>
             <p14:xfrm>
-              <a:off x="8221213" y="3062905"/>
-              <a:ext cx="705240" cy="9720"/>
+              <a:off x="9630386" y="3139515"/>
+              <a:ext cx="1031760" cy="39960"/>
             </p14:xfrm>
           </p:contentPart>
         </mc:Choice>
         <mc:Fallback>
           <p:pic>
             <p:nvPicPr>
-              <p:cNvPr id="14" name="Ink 13">
+              <p:cNvPr id="19" name="Ink 18">
                 <a:extLst>
                   <a:ext uri="{FF2B5EF4-FFF2-40B4-BE49-F238E27FC236}">
-                    <a16:creationId xmlns:a16="http://schemas.microsoft.com/office/drawing/2014/main" id="{2BC539FD-F19B-354A-D684-D261242BD52B}"/>
+                    <a16:creationId xmlns:a16="http://schemas.microsoft.com/office/drawing/2014/main" id="{0FDD0F68-F13D-DAE2-F699-903C48FA62EC}"/>
                   </a:ext>
                 </a:extLst>
               </p:cNvPr>
@@ -3700,8 +3640,8 @@
             </p:blipFill>
             <p:spPr>
               <a:xfrm>
-                <a:off x="8167573" y="2955265"/>
-                <a:ext cx="812880" cy="225360"/>
+                <a:off x="9576386" y="3031515"/>
+                <a:ext cx="1139400" cy="255600"/>
               </a:xfrm>
               <a:prstGeom prst="rect">
                 <a:avLst/>
@@ -3710,6 +3650,41 @@
           </p:pic>
         </mc:Fallback>
       </mc:AlternateContent>
+      <p:sp>
+        <p:nvSpPr>
+          <p:cNvPr id="20" name="TextBox 19">
+            <a:extLst>
+              <a:ext uri="{FF2B5EF4-FFF2-40B4-BE49-F238E27FC236}">
+                <a16:creationId xmlns:a16="http://schemas.microsoft.com/office/drawing/2014/main" id="{9467C71F-1D13-B16D-BE23-2F305E332F09}"/>
+              </a:ext>
+            </a:extLst>
+          </p:cNvPr>
+          <p:cNvSpPr txBox="1"/>
+          <p:nvPr/>
+        </p:nvSpPr>
+        <p:spPr>
+          <a:xfrm>
+            <a:off x="411406" y="4277444"/>
+            <a:ext cx="4419600" cy="646331"/>
+          </a:xfrm>
+          <a:prstGeom prst="rect">
+            <a:avLst/>
+          </a:prstGeom>
+          <a:noFill/>
+        </p:spPr>
+        <p:txBody>
+          <a:bodyPr wrap="square" rtlCol="0">
+            <a:spAutoFit/>
+          </a:bodyPr>
+          <a:lstStyle/>
+          <a:p>
+            <a:r>
+              <a:rPr lang="en-US" dirty="0"/>
+              <a:t>I’ll be posting this week’s materials in a Brightspace announcement</a:t>
+            </a:r>
+          </a:p>
+        </p:txBody>
+      </p:sp>
     </p:spTree>
     <p:extLst>
       <p:ext uri="{BB962C8B-B14F-4D97-AF65-F5344CB8AC3E}">
